--- a/docs/Architecture/FPrimeSoftwareArchitecture.pptx
+++ b/docs/Architecture/FPrimeSoftwareArchitecture.pptx
@@ -259,7 +259,7 @@
           <a:p>
             <a:fld id="{DB8380B9-EB65-450C-BF6A-A387495BF35F}" type="datetimeFigureOut">
               <a:rPr lang="en-US" smtClean="0"/>
-              <a:t>6/5/2017</a:t>
+              <a:t>6/16/2017</a:t>
             </a:fld>
             <a:endParaRPr lang="en-US"/>
           </a:p>
@@ -797,7 +797,7 @@
                 <a:latin typeface="Helvetica" pitchFamily="34" charset="0"/>
               </a:rPr>
               <a:pPr/>
-              <a:t>6/5/2017</a:t>
+              <a:t>6/16/2017</a:t>
             </a:fld>
             <a:endParaRPr lang="en-US" sz="900" b="1">
               <a:solidFill>
@@ -956,32 +956,6 @@
           </a:ln>
         </p:spPr>
       </p:pic>
-      <p:pic>
-        <p:nvPicPr>
-          <p:cNvPr id="12" name="Picture 10" descr="JPLLogo"/>
-          <p:cNvPicPr>
-            <a:picLocks noChangeAspect="1" noChangeArrowheads="1"/>
-          </p:cNvPicPr>
-          <p:nvPr/>
-        </p:nvPicPr>
-        <p:blipFill>
-          <a:blip r:embed="rId4" cstate="print"/>
-          <a:srcRect/>
-          <a:stretch>
-            <a:fillRect/>
-          </a:stretch>
-        </p:blipFill>
-        <p:spPr bwMode="auto">
-          <a:xfrm>
-            <a:off x="4800600" y="568325"/>
-            <a:ext cx="1143000" cy="388938"/>
-          </a:xfrm>
-          <a:prstGeom prst="rect">
-            <a:avLst/>
-          </a:prstGeom>
-          <a:noFill/>
-        </p:spPr>
-      </p:pic>
       <p:sp>
         <p:nvSpPr>
           <p:cNvPr id="13" name="Rectangle 5"/>
@@ -1051,851 +1025,6 @@
               <a:rPr lang="en-US"/>
               <a:t>Click to edit Master subtitle style</a:t>
             </a:r>
-          </a:p>
-        </p:txBody>
-      </p:sp>
-    </p:spTree>
-  </p:cSld>
-  <p:clrMapOvr>
-    <a:masterClrMapping/>
-  </p:clrMapOvr>
-</p:sldLayout>
-</file>
-
-<file path=ppt/slideLayouts/slideLayout10.xml><?xml version="1.0" encoding="utf-8"?>
-<p:sldLayout xmlns:a="http://schemas.openxmlformats.org/drawingml/2006/main" xmlns:r="http://schemas.openxmlformats.org/officeDocument/2006/relationships" xmlns:p="http://schemas.openxmlformats.org/presentationml/2006/main" type="vertTx" preserve="1">
-  <p:cSld name="Title and Vertical Text">
-    <p:spTree>
-      <p:nvGrpSpPr>
-        <p:cNvPr id="1" name=""/>
-        <p:cNvGrpSpPr/>
-        <p:nvPr/>
-      </p:nvGrpSpPr>
-      <p:grpSpPr>
-        <a:xfrm>
-          <a:off x="0" y="0"/>
-          <a:ext cx="0" cy="0"/>
-          <a:chOff x="0" y="0"/>
-          <a:chExt cx="0" cy="0"/>
-        </a:xfrm>
-      </p:grpSpPr>
-      <p:sp>
-        <p:nvSpPr>
-          <p:cNvPr id="2" name="Title 1"/>
-          <p:cNvSpPr>
-            <a:spLocks noGrp="1"/>
-          </p:cNvSpPr>
-          <p:nvPr>
-            <p:ph type="title"/>
-          </p:nvPr>
-        </p:nvSpPr>
-        <p:spPr/>
-        <p:txBody>
-          <a:bodyPr/>
-          <a:lstStyle/>
-          <a:p>
-            <a:r>
-              <a:rPr lang="en-US"/>
-              <a:t>Click to edit Master title style</a:t>
-            </a:r>
-          </a:p>
-        </p:txBody>
-      </p:sp>
-      <p:sp>
-        <p:nvSpPr>
-          <p:cNvPr id="3" name="Vertical Text Placeholder 2"/>
-          <p:cNvSpPr>
-            <a:spLocks noGrp="1"/>
-          </p:cNvSpPr>
-          <p:nvPr>
-            <p:ph type="body" orient="vert" idx="1"/>
-          </p:nvPr>
-        </p:nvSpPr>
-        <p:spPr/>
-        <p:txBody>
-          <a:bodyPr vert="eaVert"/>
-          <a:lstStyle/>
-          <a:p>
-            <a:pPr lvl="0"/>
-            <a:r>
-              <a:rPr lang="en-US"/>
-              <a:t>Click to edit Master text styles</a:t>
-            </a:r>
-          </a:p>
-          <a:p>
-            <a:pPr lvl="1"/>
-            <a:r>
-              <a:rPr lang="en-US"/>
-              <a:t>Second level</a:t>
-            </a:r>
-          </a:p>
-          <a:p>
-            <a:pPr lvl="2"/>
-            <a:r>
-              <a:rPr lang="en-US"/>
-              <a:t>Third level</a:t>
-            </a:r>
-          </a:p>
-          <a:p>
-            <a:pPr lvl="3"/>
-            <a:r>
-              <a:rPr lang="en-US"/>
-              <a:t>Fourth level</a:t>
-            </a:r>
-          </a:p>
-          <a:p>
-            <a:pPr lvl="4"/>
-            <a:r>
-              <a:rPr lang="en-US"/>
-              <a:t>Fifth level</a:t>
-            </a:r>
-          </a:p>
-        </p:txBody>
-      </p:sp>
-      <p:sp>
-        <p:nvSpPr>
-          <p:cNvPr id="4" name="Footer Placeholder 3"/>
-          <p:cNvSpPr>
-            <a:spLocks noGrp="1"/>
-          </p:cNvSpPr>
-          <p:nvPr>
-            <p:ph type="ftr" sz="quarter" idx="10"/>
-          </p:nvPr>
-        </p:nvSpPr>
-        <p:spPr/>
-        <p:txBody>
-          <a:bodyPr/>
-          <a:lstStyle>
-            <a:lvl1pPr>
-              <a:defRPr/>
-            </a:lvl1pPr>
-          </a:lstStyle>
-          <a:p>
-            <a:r>
-              <a:rPr lang="en-US"/>
-              <a:t>JPL/Caltech PROPRIETARY – Distribution limited to authorized recipients. Disclosure to others without express
-authorization is prohibited. The technical data in this document is controlled under the U.S. Export Regulations;
-release to foreign persons may require an export authorization.</a:t>
-            </a:r>
-          </a:p>
-        </p:txBody>
-      </p:sp>
-      <p:sp>
-        <p:nvSpPr>
-          <p:cNvPr id="5" name="Slide Number Placeholder 4"/>
-          <p:cNvSpPr>
-            <a:spLocks noGrp="1"/>
-          </p:cNvSpPr>
-          <p:nvPr>
-            <p:ph type="sldNum" sz="quarter" idx="11"/>
-          </p:nvPr>
-        </p:nvSpPr>
-        <p:spPr/>
-        <p:txBody>
-          <a:bodyPr/>
-          <a:lstStyle>
-            <a:lvl1pPr>
-              <a:defRPr/>
-            </a:lvl1pPr>
-          </a:lstStyle>
-          <a:p>
-            <a:fld id="{40846F03-29C8-41F1-8A60-CC8C672EC5BA}" type="slidenum">
-              <a:rPr lang="en-US" smtClean="0"/>
-              <a:t>‹#›</a:t>
-            </a:fld>
-            <a:endParaRPr lang="en-US"/>
-          </a:p>
-        </p:txBody>
-      </p:sp>
-    </p:spTree>
-  </p:cSld>
-  <p:clrMapOvr>
-    <a:masterClrMapping/>
-  </p:clrMapOvr>
-</p:sldLayout>
-</file>
-
-<file path=ppt/slideLayouts/slideLayout11.xml><?xml version="1.0" encoding="utf-8"?>
-<p:sldLayout xmlns:a="http://schemas.openxmlformats.org/drawingml/2006/main" xmlns:r="http://schemas.openxmlformats.org/officeDocument/2006/relationships" xmlns:p="http://schemas.openxmlformats.org/presentationml/2006/main" type="vertTitleAndTx" preserve="1">
-  <p:cSld name="Vertical Title and Text">
-    <p:spTree>
-      <p:nvGrpSpPr>
-        <p:cNvPr id="1" name=""/>
-        <p:cNvGrpSpPr/>
-        <p:nvPr/>
-      </p:nvGrpSpPr>
-      <p:grpSpPr>
-        <a:xfrm>
-          <a:off x="0" y="0"/>
-          <a:ext cx="0" cy="0"/>
-          <a:chOff x="0" y="0"/>
-          <a:chExt cx="0" cy="0"/>
-        </a:xfrm>
-      </p:grpSpPr>
-      <p:sp>
-        <p:nvSpPr>
-          <p:cNvPr id="2" name="Vertical Title 1"/>
-          <p:cNvSpPr>
-            <a:spLocks noGrp="1"/>
-          </p:cNvSpPr>
-          <p:nvPr>
-            <p:ph type="title" orient="vert"/>
-          </p:nvPr>
-        </p:nvSpPr>
-        <p:spPr>
-          <a:xfrm>
-            <a:off x="6780213" y="75903"/>
-            <a:ext cx="2112962" cy="6020097"/>
-          </a:xfrm>
-        </p:spPr>
-        <p:txBody>
-          <a:bodyPr vert="eaVert"/>
-          <a:lstStyle/>
-          <a:p>
-            <a:r>
-              <a:rPr lang="en-US"/>
-              <a:t>Click to edit Master title style</a:t>
-            </a:r>
-          </a:p>
-        </p:txBody>
-      </p:sp>
-      <p:sp>
-        <p:nvSpPr>
-          <p:cNvPr id="3" name="Vertical Text Placeholder 2"/>
-          <p:cNvSpPr>
-            <a:spLocks noGrp="1"/>
-          </p:cNvSpPr>
-          <p:nvPr>
-            <p:ph type="body" orient="vert" idx="1"/>
-          </p:nvPr>
-        </p:nvSpPr>
-        <p:spPr>
-          <a:xfrm>
-            <a:off x="439739" y="75903"/>
-            <a:ext cx="6188075" cy="6020097"/>
-          </a:xfrm>
-        </p:spPr>
-        <p:txBody>
-          <a:bodyPr vert="eaVert"/>
-          <a:lstStyle/>
-          <a:p>
-            <a:pPr lvl="0"/>
-            <a:r>
-              <a:rPr lang="en-US"/>
-              <a:t>Click to edit Master text styles</a:t>
-            </a:r>
-          </a:p>
-          <a:p>
-            <a:pPr lvl="1"/>
-            <a:r>
-              <a:rPr lang="en-US"/>
-              <a:t>Second level</a:t>
-            </a:r>
-          </a:p>
-          <a:p>
-            <a:pPr lvl="2"/>
-            <a:r>
-              <a:rPr lang="en-US"/>
-              <a:t>Third level</a:t>
-            </a:r>
-          </a:p>
-          <a:p>
-            <a:pPr lvl="3"/>
-            <a:r>
-              <a:rPr lang="en-US"/>
-              <a:t>Fourth level</a:t>
-            </a:r>
-          </a:p>
-          <a:p>
-            <a:pPr lvl="4"/>
-            <a:r>
-              <a:rPr lang="en-US"/>
-              <a:t>Fifth level</a:t>
-            </a:r>
-          </a:p>
-        </p:txBody>
-      </p:sp>
-      <p:sp>
-        <p:nvSpPr>
-          <p:cNvPr id="4" name="Footer Placeholder 3"/>
-          <p:cNvSpPr>
-            <a:spLocks noGrp="1"/>
-          </p:cNvSpPr>
-          <p:nvPr>
-            <p:ph type="ftr" sz="quarter" idx="10"/>
-          </p:nvPr>
-        </p:nvSpPr>
-        <p:spPr/>
-        <p:txBody>
-          <a:bodyPr/>
-          <a:lstStyle>
-            <a:lvl1pPr>
-              <a:defRPr/>
-            </a:lvl1pPr>
-          </a:lstStyle>
-          <a:p>
-            <a:r>
-              <a:rPr lang="en-US"/>
-              <a:t>JPL/Caltech PROPRIETARY – Distribution limited to authorized recipients. Disclosure to others without express
-authorization is prohibited. The technical data in this document is controlled under the U.S. Export Regulations;
-release to foreign persons may require an export authorization.</a:t>
-            </a:r>
-          </a:p>
-        </p:txBody>
-      </p:sp>
-      <p:sp>
-        <p:nvSpPr>
-          <p:cNvPr id="5" name="Slide Number Placeholder 4"/>
-          <p:cNvSpPr>
-            <a:spLocks noGrp="1"/>
-          </p:cNvSpPr>
-          <p:nvPr>
-            <p:ph type="sldNum" sz="quarter" idx="11"/>
-          </p:nvPr>
-        </p:nvSpPr>
-        <p:spPr/>
-        <p:txBody>
-          <a:bodyPr/>
-          <a:lstStyle>
-            <a:lvl1pPr>
-              <a:defRPr/>
-            </a:lvl1pPr>
-          </a:lstStyle>
-          <a:p>
-            <a:fld id="{40846F03-29C8-41F1-8A60-CC8C672EC5BA}" type="slidenum">
-              <a:rPr lang="en-US" smtClean="0"/>
-              <a:t>‹#›</a:t>
-            </a:fld>
-            <a:endParaRPr lang="en-US"/>
-          </a:p>
-        </p:txBody>
-      </p:sp>
-    </p:spTree>
-  </p:cSld>
-  <p:clrMapOvr>
-    <a:masterClrMapping/>
-  </p:clrMapOvr>
-</p:sldLayout>
-</file>
-
-<file path=ppt/slideLayouts/slideLayout12.xml><?xml version="1.0" encoding="utf-8"?>
-<p:sldLayout xmlns:a="http://schemas.openxmlformats.org/drawingml/2006/main" xmlns:r="http://schemas.openxmlformats.org/officeDocument/2006/relationships" xmlns:p="http://schemas.openxmlformats.org/presentationml/2006/main" type="txAndTwoObj" preserve="1">
-  <p:cSld name="Title, Text, and 2 Content">
-    <p:spTree>
-      <p:nvGrpSpPr>
-        <p:cNvPr id="1" name=""/>
-        <p:cNvGrpSpPr/>
-        <p:nvPr/>
-      </p:nvGrpSpPr>
-      <p:grpSpPr>
-        <a:xfrm>
-          <a:off x="0" y="0"/>
-          <a:ext cx="0" cy="0"/>
-          <a:chOff x="0" y="0"/>
-          <a:chExt cx="0" cy="0"/>
-        </a:xfrm>
-      </p:grpSpPr>
-      <p:sp>
-        <p:nvSpPr>
-          <p:cNvPr id="2" name="Title 1"/>
-          <p:cNvSpPr>
-            <a:spLocks noGrp="1"/>
-          </p:cNvSpPr>
-          <p:nvPr>
-            <p:ph type="title"/>
-          </p:nvPr>
-        </p:nvSpPr>
-        <p:spPr>
-          <a:xfrm>
-            <a:off x="1143000" y="75903"/>
-            <a:ext cx="6858000" cy="762000"/>
-          </a:xfrm>
-        </p:spPr>
-        <p:txBody>
-          <a:bodyPr/>
-          <a:lstStyle/>
-          <a:p>
-            <a:r>
-              <a:rPr lang="en-US"/>
-              <a:t>Click to edit Master title style</a:t>
-            </a:r>
-          </a:p>
-        </p:txBody>
-      </p:sp>
-      <p:sp>
-        <p:nvSpPr>
-          <p:cNvPr id="3" name="Text Placeholder 2"/>
-          <p:cNvSpPr>
-            <a:spLocks noGrp="1"/>
-          </p:cNvSpPr>
-          <p:nvPr>
-            <p:ph type="body" sz="half" idx="1"/>
-          </p:nvPr>
-        </p:nvSpPr>
-        <p:spPr>
-          <a:xfrm>
-            <a:off x="439739" y="1269504"/>
-            <a:ext cx="4149725" cy="4826496"/>
-          </a:xfrm>
-        </p:spPr>
-        <p:txBody>
-          <a:bodyPr/>
-          <a:lstStyle/>
-          <a:p>
-            <a:pPr lvl="0"/>
-            <a:r>
-              <a:rPr lang="en-US"/>
-              <a:t>Click to edit Master text styles</a:t>
-            </a:r>
-          </a:p>
-          <a:p>
-            <a:pPr lvl="1"/>
-            <a:r>
-              <a:rPr lang="en-US"/>
-              <a:t>Second level</a:t>
-            </a:r>
-          </a:p>
-          <a:p>
-            <a:pPr lvl="2"/>
-            <a:r>
-              <a:rPr lang="en-US"/>
-              <a:t>Third level</a:t>
-            </a:r>
-          </a:p>
-          <a:p>
-            <a:pPr lvl="3"/>
-            <a:r>
-              <a:rPr lang="en-US"/>
-              <a:t>Fourth level</a:t>
-            </a:r>
-          </a:p>
-          <a:p>
-            <a:pPr lvl="4"/>
-            <a:r>
-              <a:rPr lang="en-US"/>
-              <a:t>Fifth level</a:t>
-            </a:r>
-          </a:p>
-        </p:txBody>
-      </p:sp>
-      <p:sp>
-        <p:nvSpPr>
-          <p:cNvPr id="4" name="Content Placeholder 3"/>
-          <p:cNvSpPr>
-            <a:spLocks noGrp="1"/>
-          </p:cNvSpPr>
-          <p:nvPr>
-            <p:ph sz="quarter" idx="2"/>
-          </p:nvPr>
-        </p:nvSpPr>
-        <p:spPr>
-          <a:xfrm>
-            <a:off x="4741863" y="1269505"/>
-            <a:ext cx="4151312" cy="2341066"/>
-          </a:xfrm>
-        </p:spPr>
-        <p:txBody>
-          <a:bodyPr/>
-          <a:lstStyle/>
-          <a:p>
-            <a:pPr lvl="0"/>
-            <a:r>
-              <a:rPr lang="en-US"/>
-              <a:t>Click to edit Master text styles</a:t>
-            </a:r>
-          </a:p>
-          <a:p>
-            <a:pPr lvl="1"/>
-            <a:r>
-              <a:rPr lang="en-US"/>
-              <a:t>Second level</a:t>
-            </a:r>
-          </a:p>
-          <a:p>
-            <a:pPr lvl="2"/>
-            <a:r>
-              <a:rPr lang="en-US"/>
-              <a:t>Third level</a:t>
-            </a:r>
-          </a:p>
-          <a:p>
-            <a:pPr lvl="3"/>
-            <a:r>
-              <a:rPr lang="en-US"/>
-              <a:t>Fourth level</a:t>
-            </a:r>
-          </a:p>
-          <a:p>
-            <a:pPr lvl="4"/>
-            <a:r>
-              <a:rPr lang="en-US"/>
-              <a:t>Fifth level</a:t>
-            </a:r>
-          </a:p>
-        </p:txBody>
-      </p:sp>
-      <p:sp>
-        <p:nvSpPr>
-          <p:cNvPr id="5" name="Content Placeholder 4"/>
-          <p:cNvSpPr>
-            <a:spLocks noGrp="1"/>
-          </p:cNvSpPr>
-          <p:nvPr>
-            <p:ph sz="quarter" idx="3"/>
-          </p:nvPr>
-        </p:nvSpPr>
-        <p:spPr>
-          <a:xfrm>
-            <a:off x="4741863" y="3753446"/>
-            <a:ext cx="4151312" cy="2342555"/>
-          </a:xfrm>
-        </p:spPr>
-        <p:txBody>
-          <a:bodyPr/>
-          <a:lstStyle/>
-          <a:p>
-            <a:pPr lvl="0"/>
-            <a:r>
-              <a:rPr lang="en-US"/>
-              <a:t>Click to edit Master text styles</a:t>
-            </a:r>
-          </a:p>
-          <a:p>
-            <a:pPr lvl="1"/>
-            <a:r>
-              <a:rPr lang="en-US"/>
-              <a:t>Second level</a:t>
-            </a:r>
-          </a:p>
-          <a:p>
-            <a:pPr lvl="2"/>
-            <a:r>
-              <a:rPr lang="en-US"/>
-              <a:t>Third level</a:t>
-            </a:r>
-          </a:p>
-          <a:p>
-            <a:pPr lvl="3"/>
-            <a:r>
-              <a:rPr lang="en-US"/>
-              <a:t>Fourth level</a:t>
-            </a:r>
-          </a:p>
-          <a:p>
-            <a:pPr lvl="4"/>
-            <a:r>
-              <a:rPr lang="en-US"/>
-              <a:t>Fifth level</a:t>
-            </a:r>
-          </a:p>
-        </p:txBody>
-      </p:sp>
-      <p:sp>
-        <p:nvSpPr>
-          <p:cNvPr id="6" name="Footer Placeholder 5"/>
-          <p:cNvSpPr>
-            <a:spLocks noGrp="1"/>
-          </p:cNvSpPr>
-          <p:nvPr>
-            <p:ph type="ftr" sz="quarter" idx="10"/>
-          </p:nvPr>
-        </p:nvSpPr>
-        <p:spPr>
-          <a:xfrm>
-            <a:off x="2362201" y="6646665"/>
-            <a:ext cx="4594225" cy="211336"/>
-          </a:xfrm>
-        </p:spPr>
-        <p:txBody>
-          <a:bodyPr/>
-          <a:lstStyle>
-            <a:lvl1pPr>
-              <a:defRPr/>
-            </a:lvl1pPr>
-          </a:lstStyle>
-          <a:p>
-            <a:r>
-              <a:rPr lang="en-US"/>
-              <a:t>JPL/Caltech PROPRIETARY – Distribution limited to authorized recipients. Disclosure to others without express
-authorization is prohibited. The technical data in this document is controlled under the U.S. Export Regulations;
-release to foreign persons may require an export authorization.</a:t>
-            </a:r>
-          </a:p>
-        </p:txBody>
-      </p:sp>
-      <p:sp>
-        <p:nvSpPr>
-          <p:cNvPr id="7" name="Slide Number Placeholder 6"/>
-          <p:cNvSpPr>
-            <a:spLocks noGrp="1"/>
-          </p:cNvSpPr>
-          <p:nvPr>
-            <p:ph type="sldNum" sz="quarter" idx="11"/>
-          </p:nvPr>
-        </p:nvSpPr>
-        <p:spPr>
-          <a:xfrm>
-            <a:off x="7086600" y="6646665"/>
-            <a:ext cx="1905000" cy="211336"/>
-          </a:xfrm>
-        </p:spPr>
-        <p:txBody>
-          <a:bodyPr/>
-          <a:lstStyle>
-            <a:lvl1pPr>
-              <a:defRPr/>
-            </a:lvl1pPr>
-          </a:lstStyle>
-          <a:p>
-            <a:fld id="{40846F03-29C8-41F1-8A60-CC8C672EC5BA}" type="slidenum">
-              <a:rPr lang="en-US" smtClean="0"/>
-              <a:t>‹#›</a:t>
-            </a:fld>
-            <a:endParaRPr lang="en-US"/>
-          </a:p>
-        </p:txBody>
-      </p:sp>
-    </p:spTree>
-  </p:cSld>
-  <p:clrMapOvr>
-    <a:masterClrMapping/>
-  </p:clrMapOvr>
-</p:sldLayout>
-</file>
-
-<file path=ppt/slideLayouts/slideLayout13.xml><?xml version="1.0" encoding="utf-8"?>
-<p:sldLayout xmlns:a="http://schemas.openxmlformats.org/drawingml/2006/main" xmlns:r="http://schemas.openxmlformats.org/officeDocument/2006/relationships" xmlns:p="http://schemas.openxmlformats.org/presentationml/2006/main" type="title">
-  <p:cSld name="1_Title Slide">
-    <p:spTree>
-      <p:nvGrpSpPr>
-        <p:cNvPr id="1" name=""/>
-        <p:cNvGrpSpPr/>
-        <p:nvPr/>
-      </p:nvGrpSpPr>
-      <p:grpSpPr>
-        <a:xfrm>
-          <a:off x="0" y="0"/>
-          <a:ext cx="0" cy="0"/>
-          <a:chOff x="0" y="0"/>
-          <a:chExt cx="0" cy="0"/>
-        </a:xfrm>
-      </p:grpSpPr>
-      <p:sp>
-        <p:nvSpPr>
-          <p:cNvPr id="2" name="Title 1"/>
-          <p:cNvSpPr>
-            <a:spLocks noGrp="1"/>
-          </p:cNvSpPr>
-          <p:nvPr>
-            <p:ph type="ctrTitle"/>
-          </p:nvPr>
-        </p:nvSpPr>
-        <p:spPr>
-          <a:xfrm>
-            <a:off x="685800" y="2130425"/>
-            <a:ext cx="7772400" cy="1470025"/>
-          </a:xfrm>
-        </p:spPr>
-        <p:txBody>
-          <a:bodyPr/>
-          <a:lstStyle/>
-          <a:p>
-            <a:r>
-              <a:rPr lang="en-US"/>
-              <a:t>Click to edit Master title style</a:t>
-            </a:r>
-          </a:p>
-        </p:txBody>
-      </p:sp>
-      <p:sp>
-        <p:nvSpPr>
-          <p:cNvPr id="3" name="Subtitle 2"/>
-          <p:cNvSpPr>
-            <a:spLocks noGrp="1"/>
-          </p:cNvSpPr>
-          <p:nvPr>
-            <p:ph type="subTitle" idx="1"/>
-          </p:nvPr>
-        </p:nvSpPr>
-        <p:spPr>
-          <a:xfrm>
-            <a:off x="1371600" y="3886200"/>
-            <a:ext cx="6400800" cy="1752600"/>
-          </a:xfrm>
-        </p:spPr>
-        <p:txBody>
-          <a:bodyPr/>
-          <a:lstStyle>
-            <a:lvl1pPr marL="0" indent="0" algn="ctr">
-              <a:buNone/>
-              <a:defRPr>
-                <a:solidFill>
-                  <a:schemeClr val="tx1">
-                    <a:tint val="75000"/>
-                  </a:schemeClr>
-                </a:solidFill>
-              </a:defRPr>
-            </a:lvl1pPr>
-            <a:lvl2pPr marL="457200" indent="0" algn="ctr">
-              <a:buNone/>
-              <a:defRPr>
-                <a:solidFill>
-                  <a:schemeClr val="tx1">
-                    <a:tint val="75000"/>
-                  </a:schemeClr>
-                </a:solidFill>
-              </a:defRPr>
-            </a:lvl2pPr>
-            <a:lvl3pPr marL="914400" indent="0" algn="ctr">
-              <a:buNone/>
-              <a:defRPr>
-                <a:solidFill>
-                  <a:schemeClr val="tx1">
-                    <a:tint val="75000"/>
-                  </a:schemeClr>
-                </a:solidFill>
-              </a:defRPr>
-            </a:lvl3pPr>
-            <a:lvl4pPr marL="1371600" indent="0" algn="ctr">
-              <a:buNone/>
-              <a:defRPr>
-                <a:solidFill>
-                  <a:schemeClr val="tx1">
-                    <a:tint val="75000"/>
-                  </a:schemeClr>
-                </a:solidFill>
-              </a:defRPr>
-            </a:lvl4pPr>
-            <a:lvl5pPr marL="1828800" indent="0" algn="ctr">
-              <a:buNone/>
-              <a:defRPr>
-                <a:solidFill>
-                  <a:schemeClr val="tx1">
-                    <a:tint val="75000"/>
-                  </a:schemeClr>
-                </a:solidFill>
-              </a:defRPr>
-            </a:lvl5pPr>
-            <a:lvl6pPr marL="2286000" indent="0" algn="ctr">
-              <a:buNone/>
-              <a:defRPr>
-                <a:solidFill>
-                  <a:schemeClr val="tx1">
-                    <a:tint val="75000"/>
-                  </a:schemeClr>
-                </a:solidFill>
-              </a:defRPr>
-            </a:lvl6pPr>
-            <a:lvl7pPr marL="2743200" indent="0" algn="ctr">
-              <a:buNone/>
-              <a:defRPr>
-                <a:solidFill>
-                  <a:schemeClr val="tx1">
-                    <a:tint val="75000"/>
-                  </a:schemeClr>
-                </a:solidFill>
-              </a:defRPr>
-            </a:lvl7pPr>
-            <a:lvl8pPr marL="3200400" indent="0" algn="ctr">
-              <a:buNone/>
-              <a:defRPr>
-                <a:solidFill>
-                  <a:schemeClr val="tx1">
-                    <a:tint val="75000"/>
-                  </a:schemeClr>
-                </a:solidFill>
-              </a:defRPr>
-            </a:lvl8pPr>
-            <a:lvl9pPr marL="3657600" indent="0" algn="ctr">
-              <a:buNone/>
-              <a:defRPr>
-                <a:solidFill>
-                  <a:schemeClr val="tx1">
-                    <a:tint val="75000"/>
-                  </a:schemeClr>
-                </a:solidFill>
-              </a:defRPr>
-            </a:lvl9pPr>
-          </a:lstStyle>
-          <a:p>
-            <a:r>
-              <a:rPr lang="en-US"/>
-              <a:t>Click to edit Master subtitle style</a:t>
-            </a:r>
-          </a:p>
-        </p:txBody>
-      </p:sp>
-      <p:sp>
-        <p:nvSpPr>
-          <p:cNvPr id="4" name="Date Placeholder 3"/>
-          <p:cNvSpPr>
-            <a:spLocks noGrp="1"/>
-          </p:cNvSpPr>
-          <p:nvPr>
-            <p:ph type="dt" sz="half" idx="10"/>
-          </p:nvPr>
-        </p:nvSpPr>
-        <p:spPr>
-          <a:xfrm>
-            <a:off x="457200" y="6356350"/>
-            <a:ext cx="2133600" cy="365125"/>
-          </a:xfrm>
-          <a:prstGeom prst="rect">
-            <a:avLst/>
-          </a:prstGeom>
-        </p:spPr>
-        <p:txBody>
-          <a:bodyPr/>
-          <a:lstStyle/>
-          <a:p>
-            <a:endParaRPr lang="en-US"/>
-          </a:p>
-        </p:txBody>
-      </p:sp>
-      <p:sp>
-        <p:nvSpPr>
-          <p:cNvPr id="5" name="Footer Placeholder 4"/>
-          <p:cNvSpPr>
-            <a:spLocks noGrp="1"/>
-          </p:cNvSpPr>
-          <p:nvPr>
-            <p:ph type="ftr" sz="quarter" idx="11"/>
-          </p:nvPr>
-        </p:nvSpPr>
-        <p:spPr/>
-        <p:txBody>
-          <a:bodyPr/>
-          <a:lstStyle/>
-          <a:p>
-            <a:r>
-              <a:rPr lang="en-US"/>
-              <a:t>JPL/Caltech PROPRIETARY – Distribution limited to authorized recipients. Disclosure to others without express
-authorization is prohibited. The technical data in this document is controlled under the U.S. Export Regulations;
-release to foreign persons may require an export authorization.</a:t>
-            </a:r>
-          </a:p>
-        </p:txBody>
-      </p:sp>
-      <p:sp>
-        <p:nvSpPr>
-          <p:cNvPr id="6" name="Slide Number Placeholder 5"/>
-          <p:cNvSpPr>
-            <a:spLocks noGrp="1"/>
-          </p:cNvSpPr>
-          <p:nvPr>
-            <p:ph type="sldNum" sz="quarter" idx="12"/>
-          </p:nvPr>
-        </p:nvSpPr>
-        <p:spPr/>
-        <p:txBody>
-          <a:bodyPr/>
-          <a:lstStyle/>
-          <a:p>
-            <a:fld id="{40846F03-29C8-41F1-8A60-CC8C672EC5BA}" type="slidenum">
-              <a:rPr lang="en-US" smtClean="0"/>
-              <a:t>‹#›</a:t>
-            </a:fld>
-            <a:endParaRPr lang="en-US"/>
           </a:p>
         </p:txBody>
       </p:sp>
@@ -2061,861 +1190,6 @@
 </file>
 
 <file path=ppt/slideLayouts/slideLayout3.xml><?xml version="1.0" encoding="utf-8"?>
-<p:sldLayout xmlns:a="http://schemas.openxmlformats.org/drawingml/2006/main" xmlns:r="http://schemas.openxmlformats.org/officeDocument/2006/relationships" xmlns:p="http://schemas.openxmlformats.org/presentationml/2006/main" type="secHead" preserve="1">
-  <p:cSld name="Section Header">
-    <p:spTree>
-      <p:nvGrpSpPr>
-        <p:cNvPr id="1" name=""/>
-        <p:cNvGrpSpPr/>
-        <p:nvPr/>
-      </p:nvGrpSpPr>
-      <p:grpSpPr>
-        <a:xfrm>
-          <a:off x="0" y="0"/>
-          <a:ext cx="0" cy="0"/>
-          <a:chOff x="0" y="0"/>
-          <a:chExt cx="0" cy="0"/>
-        </a:xfrm>
-      </p:grpSpPr>
-      <p:sp>
-        <p:nvSpPr>
-          <p:cNvPr id="2" name="Title 1"/>
-          <p:cNvSpPr>
-            <a:spLocks noGrp="1"/>
-          </p:cNvSpPr>
-          <p:nvPr>
-            <p:ph type="title"/>
-          </p:nvPr>
-        </p:nvSpPr>
-        <p:spPr>
-          <a:xfrm>
-            <a:off x="722313" y="4406801"/>
-            <a:ext cx="7772400" cy="1361777"/>
-          </a:xfrm>
-        </p:spPr>
-        <p:txBody>
-          <a:bodyPr anchor="t"/>
-          <a:lstStyle>
-            <a:lvl1pPr algn="l">
-              <a:defRPr sz="4000" b="1" cap="all"/>
-            </a:lvl1pPr>
-          </a:lstStyle>
-          <a:p>
-            <a:r>
-              <a:rPr lang="en-US"/>
-              <a:t>Click to edit Master title style</a:t>
-            </a:r>
-          </a:p>
-        </p:txBody>
-      </p:sp>
-      <p:sp>
-        <p:nvSpPr>
-          <p:cNvPr id="3" name="Text Placeholder 2"/>
-          <p:cNvSpPr>
-            <a:spLocks noGrp="1"/>
-          </p:cNvSpPr>
-          <p:nvPr>
-            <p:ph type="body" idx="1"/>
-          </p:nvPr>
-        </p:nvSpPr>
-        <p:spPr>
-          <a:xfrm>
-            <a:off x="722313" y="2906613"/>
-            <a:ext cx="7772400" cy="1500188"/>
-          </a:xfrm>
-        </p:spPr>
-        <p:txBody>
-          <a:bodyPr anchor="b"/>
-          <a:lstStyle>
-            <a:lvl1pPr marL="0" indent="0">
-              <a:buNone/>
-              <a:defRPr sz="2000"/>
-            </a:lvl1pPr>
-            <a:lvl2pPr marL="457200" indent="0">
-              <a:buNone/>
-              <a:defRPr sz="1800"/>
-            </a:lvl2pPr>
-            <a:lvl3pPr marL="914400" indent="0">
-              <a:buNone/>
-              <a:defRPr sz="1600"/>
-            </a:lvl3pPr>
-            <a:lvl4pPr marL="1371600" indent="0">
-              <a:buNone/>
-              <a:defRPr sz="1400"/>
-            </a:lvl4pPr>
-            <a:lvl5pPr marL="1828800" indent="0">
-              <a:buNone/>
-              <a:defRPr sz="1400"/>
-            </a:lvl5pPr>
-            <a:lvl6pPr marL="2286000" indent="0">
-              <a:buNone/>
-              <a:defRPr sz="1400"/>
-            </a:lvl6pPr>
-            <a:lvl7pPr marL="2743200" indent="0">
-              <a:buNone/>
-              <a:defRPr sz="1400"/>
-            </a:lvl7pPr>
-            <a:lvl8pPr marL="3200400" indent="0">
-              <a:buNone/>
-              <a:defRPr sz="1400"/>
-            </a:lvl8pPr>
-            <a:lvl9pPr marL="3657600" indent="0">
-              <a:buNone/>
-              <a:defRPr sz="1400"/>
-            </a:lvl9pPr>
-          </a:lstStyle>
-          <a:p>
-            <a:pPr lvl="0"/>
-            <a:r>
-              <a:rPr lang="en-US"/>
-              <a:t>Click to edit Master text styles</a:t>
-            </a:r>
-          </a:p>
-        </p:txBody>
-      </p:sp>
-      <p:sp>
-        <p:nvSpPr>
-          <p:cNvPr id="4" name="Footer Placeholder 3"/>
-          <p:cNvSpPr>
-            <a:spLocks noGrp="1"/>
-          </p:cNvSpPr>
-          <p:nvPr>
-            <p:ph type="ftr" sz="quarter" idx="10"/>
-          </p:nvPr>
-        </p:nvSpPr>
-        <p:spPr/>
-        <p:txBody>
-          <a:bodyPr/>
-          <a:lstStyle>
-            <a:lvl1pPr>
-              <a:defRPr/>
-            </a:lvl1pPr>
-          </a:lstStyle>
-          <a:p>
-            <a:r>
-              <a:rPr lang="en-US"/>
-              <a:t>JPL/Caltech PROPRIETARY – Distribution limited to authorized recipients. Disclosure to others without express
-authorization is prohibited. The technical data in this document is controlled under the U.S. Export Regulations;
-release to foreign persons may require an export authorization.</a:t>
-            </a:r>
-          </a:p>
-        </p:txBody>
-      </p:sp>
-      <p:sp>
-        <p:nvSpPr>
-          <p:cNvPr id="5" name="Slide Number Placeholder 4"/>
-          <p:cNvSpPr>
-            <a:spLocks noGrp="1"/>
-          </p:cNvSpPr>
-          <p:nvPr>
-            <p:ph type="sldNum" sz="quarter" idx="11"/>
-          </p:nvPr>
-        </p:nvSpPr>
-        <p:spPr/>
-        <p:txBody>
-          <a:bodyPr/>
-          <a:lstStyle>
-            <a:lvl1pPr>
-              <a:defRPr/>
-            </a:lvl1pPr>
-          </a:lstStyle>
-          <a:p>
-            <a:fld id="{40846F03-29C8-41F1-8A60-CC8C672EC5BA}" type="slidenum">
-              <a:rPr lang="en-US" smtClean="0"/>
-              <a:t>‹#›</a:t>
-            </a:fld>
-            <a:endParaRPr lang="en-US"/>
-          </a:p>
-        </p:txBody>
-      </p:sp>
-    </p:spTree>
-  </p:cSld>
-  <p:clrMapOvr>
-    <a:masterClrMapping/>
-  </p:clrMapOvr>
-</p:sldLayout>
-</file>
-
-<file path=ppt/slideLayouts/slideLayout4.xml><?xml version="1.0" encoding="utf-8"?>
-<p:sldLayout xmlns:a="http://schemas.openxmlformats.org/drawingml/2006/main" xmlns:r="http://schemas.openxmlformats.org/officeDocument/2006/relationships" xmlns:p="http://schemas.openxmlformats.org/presentationml/2006/main" type="twoObj" preserve="1">
-  <p:cSld name="Two Content">
-    <p:spTree>
-      <p:nvGrpSpPr>
-        <p:cNvPr id="1" name=""/>
-        <p:cNvGrpSpPr/>
-        <p:nvPr/>
-      </p:nvGrpSpPr>
-      <p:grpSpPr>
-        <a:xfrm>
-          <a:off x="0" y="0"/>
-          <a:ext cx="0" cy="0"/>
-          <a:chOff x="0" y="0"/>
-          <a:chExt cx="0" cy="0"/>
-        </a:xfrm>
-      </p:grpSpPr>
-      <p:sp>
-        <p:nvSpPr>
-          <p:cNvPr id="2" name="Title 1"/>
-          <p:cNvSpPr>
-            <a:spLocks noGrp="1"/>
-          </p:cNvSpPr>
-          <p:nvPr>
-            <p:ph type="title"/>
-          </p:nvPr>
-        </p:nvSpPr>
-        <p:spPr/>
-        <p:txBody>
-          <a:bodyPr/>
-          <a:lstStyle/>
-          <a:p>
-            <a:r>
-              <a:rPr lang="en-US"/>
-              <a:t>Click to edit Master title style</a:t>
-            </a:r>
-          </a:p>
-        </p:txBody>
-      </p:sp>
-      <p:sp>
-        <p:nvSpPr>
-          <p:cNvPr id="3" name="Content Placeholder 2"/>
-          <p:cNvSpPr>
-            <a:spLocks noGrp="1"/>
-          </p:cNvSpPr>
-          <p:nvPr>
-            <p:ph sz="half" idx="1"/>
-          </p:nvPr>
-        </p:nvSpPr>
-        <p:spPr>
-          <a:xfrm>
-            <a:off x="439739" y="1269504"/>
-            <a:ext cx="4149725" cy="4826496"/>
-          </a:xfrm>
-        </p:spPr>
-        <p:txBody>
-          <a:bodyPr/>
-          <a:lstStyle>
-            <a:lvl1pPr>
-              <a:defRPr sz="2800"/>
-            </a:lvl1pPr>
-            <a:lvl2pPr>
-              <a:defRPr sz="2400"/>
-            </a:lvl2pPr>
-            <a:lvl3pPr>
-              <a:defRPr sz="2000"/>
-            </a:lvl3pPr>
-            <a:lvl4pPr>
-              <a:defRPr sz="1800"/>
-            </a:lvl4pPr>
-            <a:lvl5pPr>
-              <a:defRPr sz="1800"/>
-            </a:lvl5pPr>
-            <a:lvl6pPr>
-              <a:defRPr sz="1800"/>
-            </a:lvl6pPr>
-            <a:lvl7pPr>
-              <a:defRPr sz="1800"/>
-            </a:lvl7pPr>
-            <a:lvl8pPr>
-              <a:defRPr sz="1800"/>
-            </a:lvl8pPr>
-            <a:lvl9pPr>
-              <a:defRPr sz="1800"/>
-            </a:lvl9pPr>
-          </a:lstStyle>
-          <a:p>
-            <a:pPr lvl="0"/>
-            <a:r>
-              <a:rPr lang="en-US"/>
-              <a:t>Click to edit Master text styles</a:t>
-            </a:r>
-          </a:p>
-          <a:p>
-            <a:pPr lvl="1"/>
-            <a:r>
-              <a:rPr lang="en-US"/>
-              <a:t>Second level</a:t>
-            </a:r>
-          </a:p>
-          <a:p>
-            <a:pPr lvl="2"/>
-            <a:r>
-              <a:rPr lang="en-US"/>
-              <a:t>Third level</a:t>
-            </a:r>
-          </a:p>
-          <a:p>
-            <a:pPr lvl="3"/>
-            <a:r>
-              <a:rPr lang="en-US"/>
-              <a:t>Fourth level</a:t>
-            </a:r>
-          </a:p>
-          <a:p>
-            <a:pPr lvl="4"/>
-            <a:r>
-              <a:rPr lang="en-US"/>
-              <a:t>Fifth level</a:t>
-            </a:r>
-          </a:p>
-        </p:txBody>
-      </p:sp>
-      <p:sp>
-        <p:nvSpPr>
-          <p:cNvPr id="4" name="Content Placeholder 3"/>
-          <p:cNvSpPr>
-            <a:spLocks noGrp="1"/>
-          </p:cNvSpPr>
-          <p:nvPr>
-            <p:ph sz="half" idx="2"/>
-          </p:nvPr>
-        </p:nvSpPr>
-        <p:spPr>
-          <a:xfrm>
-            <a:off x="4741863" y="1269504"/>
-            <a:ext cx="4151312" cy="4826496"/>
-          </a:xfrm>
-        </p:spPr>
-        <p:txBody>
-          <a:bodyPr/>
-          <a:lstStyle>
-            <a:lvl1pPr>
-              <a:defRPr sz="2800"/>
-            </a:lvl1pPr>
-            <a:lvl2pPr>
-              <a:defRPr sz="2400"/>
-            </a:lvl2pPr>
-            <a:lvl3pPr>
-              <a:defRPr sz="2000"/>
-            </a:lvl3pPr>
-            <a:lvl4pPr>
-              <a:defRPr sz="1800"/>
-            </a:lvl4pPr>
-            <a:lvl5pPr>
-              <a:defRPr sz="1800"/>
-            </a:lvl5pPr>
-            <a:lvl6pPr>
-              <a:defRPr sz="1800"/>
-            </a:lvl6pPr>
-            <a:lvl7pPr>
-              <a:defRPr sz="1800"/>
-            </a:lvl7pPr>
-            <a:lvl8pPr>
-              <a:defRPr sz="1800"/>
-            </a:lvl8pPr>
-            <a:lvl9pPr>
-              <a:defRPr sz="1800"/>
-            </a:lvl9pPr>
-          </a:lstStyle>
-          <a:p>
-            <a:pPr lvl="0"/>
-            <a:r>
-              <a:rPr lang="en-US"/>
-              <a:t>Click to edit Master text styles</a:t>
-            </a:r>
-          </a:p>
-          <a:p>
-            <a:pPr lvl="1"/>
-            <a:r>
-              <a:rPr lang="en-US"/>
-              <a:t>Second level</a:t>
-            </a:r>
-          </a:p>
-          <a:p>
-            <a:pPr lvl="2"/>
-            <a:r>
-              <a:rPr lang="en-US"/>
-              <a:t>Third level</a:t>
-            </a:r>
-          </a:p>
-          <a:p>
-            <a:pPr lvl="3"/>
-            <a:r>
-              <a:rPr lang="en-US"/>
-              <a:t>Fourth level</a:t>
-            </a:r>
-          </a:p>
-          <a:p>
-            <a:pPr lvl="4"/>
-            <a:r>
-              <a:rPr lang="en-US"/>
-              <a:t>Fifth level</a:t>
-            </a:r>
-          </a:p>
-        </p:txBody>
-      </p:sp>
-      <p:sp>
-        <p:nvSpPr>
-          <p:cNvPr id="5" name="Footer Placeholder 4"/>
-          <p:cNvSpPr>
-            <a:spLocks noGrp="1"/>
-          </p:cNvSpPr>
-          <p:nvPr>
-            <p:ph type="ftr" sz="quarter" idx="10"/>
-          </p:nvPr>
-        </p:nvSpPr>
-        <p:spPr/>
-        <p:txBody>
-          <a:bodyPr/>
-          <a:lstStyle>
-            <a:lvl1pPr>
-              <a:defRPr/>
-            </a:lvl1pPr>
-          </a:lstStyle>
-          <a:p>
-            <a:r>
-              <a:rPr lang="en-US"/>
-              <a:t>JPL/Caltech PROPRIETARY – Distribution limited to authorized recipients. Disclosure to others without express
-authorization is prohibited. The technical data in this document is controlled under the U.S. Export Regulations;
-release to foreign persons may require an export authorization.</a:t>
-            </a:r>
-          </a:p>
-        </p:txBody>
-      </p:sp>
-      <p:sp>
-        <p:nvSpPr>
-          <p:cNvPr id="6" name="Slide Number Placeholder 5"/>
-          <p:cNvSpPr>
-            <a:spLocks noGrp="1"/>
-          </p:cNvSpPr>
-          <p:nvPr>
-            <p:ph type="sldNum" sz="quarter" idx="11"/>
-          </p:nvPr>
-        </p:nvSpPr>
-        <p:spPr/>
-        <p:txBody>
-          <a:bodyPr/>
-          <a:lstStyle>
-            <a:lvl1pPr>
-              <a:defRPr/>
-            </a:lvl1pPr>
-          </a:lstStyle>
-          <a:p>
-            <a:fld id="{40846F03-29C8-41F1-8A60-CC8C672EC5BA}" type="slidenum">
-              <a:rPr lang="en-US" smtClean="0"/>
-              <a:t>‹#›</a:t>
-            </a:fld>
-            <a:endParaRPr lang="en-US"/>
-          </a:p>
-        </p:txBody>
-      </p:sp>
-    </p:spTree>
-  </p:cSld>
-  <p:clrMapOvr>
-    <a:masterClrMapping/>
-  </p:clrMapOvr>
-</p:sldLayout>
-</file>
-
-<file path=ppt/slideLayouts/slideLayout5.xml><?xml version="1.0" encoding="utf-8"?>
-<p:sldLayout xmlns:a="http://schemas.openxmlformats.org/drawingml/2006/main" xmlns:r="http://schemas.openxmlformats.org/officeDocument/2006/relationships" xmlns:p="http://schemas.openxmlformats.org/presentationml/2006/main" type="twoTxTwoObj" preserve="1">
-  <p:cSld name="Comparison">
-    <p:spTree>
-      <p:nvGrpSpPr>
-        <p:cNvPr id="1" name=""/>
-        <p:cNvGrpSpPr/>
-        <p:nvPr/>
-      </p:nvGrpSpPr>
-      <p:grpSpPr>
-        <a:xfrm>
-          <a:off x="0" y="0"/>
-          <a:ext cx="0" cy="0"/>
-          <a:chOff x="0" y="0"/>
-          <a:chExt cx="0" cy="0"/>
-        </a:xfrm>
-      </p:grpSpPr>
-      <p:sp>
-        <p:nvSpPr>
-          <p:cNvPr id="2" name="Title 1"/>
-          <p:cNvSpPr>
-            <a:spLocks noGrp="1"/>
-          </p:cNvSpPr>
-          <p:nvPr>
-            <p:ph type="title"/>
-          </p:nvPr>
-        </p:nvSpPr>
-        <p:spPr>
-          <a:xfrm>
-            <a:off x="457200" y="275333"/>
-            <a:ext cx="8229600" cy="1143000"/>
-          </a:xfrm>
-        </p:spPr>
-        <p:txBody>
-          <a:bodyPr/>
-          <a:lstStyle>
-            <a:lvl1pPr>
-              <a:defRPr/>
-            </a:lvl1pPr>
-          </a:lstStyle>
-          <a:p>
-            <a:r>
-              <a:rPr lang="en-US"/>
-              <a:t>Click to edit Master title style</a:t>
-            </a:r>
-          </a:p>
-        </p:txBody>
-      </p:sp>
-      <p:sp>
-        <p:nvSpPr>
-          <p:cNvPr id="3" name="Text Placeholder 2"/>
-          <p:cNvSpPr>
-            <a:spLocks noGrp="1"/>
-          </p:cNvSpPr>
-          <p:nvPr>
-            <p:ph type="body" idx="1"/>
-          </p:nvPr>
-        </p:nvSpPr>
-        <p:spPr>
-          <a:xfrm>
-            <a:off x="457200" y="1534419"/>
-            <a:ext cx="4040188" cy="639961"/>
-          </a:xfrm>
-        </p:spPr>
-        <p:txBody>
-          <a:bodyPr anchor="b"/>
-          <a:lstStyle>
-            <a:lvl1pPr marL="0" indent="0">
-              <a:buNone/>
-              <a:defRPr sz="2400" b="1"/>
-            </a:lvl1pPr>
-            <a:lvl2pPr marL="457200" indent="0">
-              <a:buNone/>
-              <a:defRPr sz="2000" b="1"/>
-            </a:lvl2pPr>
-            <a:lvl3pPr marL="914400" indent="0">
-              <a:buNone/>
-              <a:defRPr sz="1800" b="1"/>
-            </a:lvl3pPr>
-            <a:lvl4pPr marL="1371600" indent="0">
-              <a:buNone/>
-              <a:defRPr sz="1600" b="1"/>
-            </a:lvl4pPr>
-            <a:lvl5pPr marL="1828800" indent="0">
-              <a:buNone/>
-              <a:defRPr sz="1600" b="1"/>
-            </a:lvl5pPr>
-            <a:lvl6pPr marL="2286000" indent="0">
-              <a:buNone/>
-              <a:defRPr sz="1600" b="1"/>
-            </a:lvl6pPr>
-            <a:lvl7pPr marL="2743200" indent="0">
-              <a:buNone/>
-              <a:defRPr sz="1600" b="1"/>
-            </a:lvl7pPr>
-            <a:lvl8pPr marL="3200400" indent="0">
-              <a:buNone/>
-              <a:defRPr sz="1600" b="1"/>
-            </a:lvl8pPr>
-            <a:lvl9pPr marL="3657600" indent="0">
-              <a:buNone/>
-              <a:defRPr sz="1600" b="1"/>
-            </a:lvl9pPr>
-          </a:lstStyle>
-          <a:p>
-            <a:pPr lvl="0"/>
-            <a:r>
-              <a:rPr lang="en-US"/>
-              <a:t>Click to edit Master text styles</a:t>
-            </a:r>
-          </a:p>
-        </p:txBody>
-      </p:sp>
-      <p:sp>
-        <p:nvSpPr>
-          <p:cNvPr id="4" name="Content Placeholder 3"/>
-          <p:cNvSpPr>
-            <a:spLocks noGrp="1"/>
-          </p:cNvSpPr>
-          <p:nvPr>
-            <p:ph sz="half" idx="2"/>
-          </p:nvPr>
-        </p:nvSpPr>
-        <p:spPr>
-          <a:xfrm>
-            <a:off x="457200" y="2174380"/>
-            <a:ext cx="4040188" cy="3951386"/>
-          </a:xfrm>
-        </p:spPr>
-        <p:txBody>
-          <a:bodyPr/>
-          <a:lstStyle>
-            <a:lvl1pPr>
-              <a:defRPr sz="2400"/>
-            </a:lvl1pPr>
-            <a:lvl2pPr>
-              <a:defRPr sz="2000"/>
-            </a:lvl2pPr>
-            <a:lvl3pPr>
-              <a:defRPr sz="1800"/>
-            </a:lvl3pPr>
-            <a:lvl4pPr>
-              <a:defRPr sz="1600"/>
-            </a:lvl4pPr>
-            <a:lvl5pPr>
-              <a:defRPr sz="1600"/>
-            </a:lvl5pPr>
-            <a:lvl6pPr>
-              <a:defRPr sz="1600"/>
-            </a:lvl6pPr>
-            <a:lvl7pPr>
-              <a:defRPr sz="1600"/>
-            </a:lvl7pPr>
-            <a:lvl8pPr>
-              <a:defRPr sz="1600"/>
-            </a:lvl8pPr>
-            <a:lvl9pPr>
-              <a:defRPr sz="1600"/>
-            </a:lvl9pPr>
-          </a:lstStyle>
-          <a:p>
-            <a:pPr lvl="0"/>
-            <a:r>
-              <a:rPr lang="en-US"/>
-              <a:t>Click to edit Master text styles</a:t>
-            </a:r>
-          </a:p>
-          <a:p>
-            <a:pPr lvl="1"/>
-            <a:r>
-              <a:rPr lang="en-US"/>
-              <a:t>Second level</a:t>
-            </a:r>
-          </a:p>
-          <a:p>
-            <a:pPr lvl="2"/>
-            <a:r>
-              <a:rPr lang="en-US"/>
-              <a:t>Third level</a:t>
-            </a:r>
-          </a:p>
-          <a:p>
-            <a:pPr lvl="3"/>
-            <a:r>
-              <a:rPr lang="en-US"/>
-              <a:t>Fourth level</a:t>
-            </a:r>
-          </a:p>
-          <a:p>
-            <a:pPr lvl="4"/>
-            <a:r>
-              <a:rPr lang="en-US"/>
-              <a:t>Fifth level</a:t>
-            </a:r>
-          </a:p>
-        </p:txBody>
-      </p:sp>
-      <p:sp>
-        <p:nvSpPr>
-          <p:cNvPr id="5" name="Text Placeholder 4"/>
-          <p:cNvSpPr>
-            <a:spLocks noGrp="1"/>
-          </p:cNvSpPr>
-          <p:nvPr>
-            <p:ph type="body" sz="quarter" idx="3"/>
-          </p:nvPr>
-        </p:nvSpPr>
-        <p:spPr>
-          <a:xfrm>
-            <a:off x="4645026" y="1534419"/>
-            <a:ext cx="4041775" cy="639961"/>
-          </a:xfrm>
-        </p:spPr>
-        <p:txBody>
-          <a:bodyPr anchor="b"/>
-          <a:lstStyle>
-            <a:lvl1pPr marL="0" indent="0">
-              <a:buNone/>
-              <a:defRPr sz="2400" b="1"/>
-            </a:lvl1pPr>
-            <a:lvl2pPr marL="457200" indent="0">
-              <a:buNone/>
-              <a:defRPr sz="2000" b="1"/>
-            </a:lvl2pPr>
-            <a:lvl3pPr marL="914400" indent="0">
-              <a:buNone/>
-              <a:defRPr sz="1800" b="1"/>
-            </a:lvl3pPr>
-            <a:lvl4pPr marL="1371600" indent="0">
-              <a:buNone/>
-              <a:defRPr sz="1600" b="1"/>
-            </a:lvl4pPr>
-            <a:lvl5pPr marL="1828800" indent="0">
-              <a:buNone/>
-              <a:defRPr sz="1600" b="1"/>
-            </a:lvl5pPr>
-            <a:lvl6pPr marL="2286000" indent="0">
-              <a:buNone/>
-              <a:defRPr sz="1600" b="1"/>
-            </a:lvl6pPr>
-            <a:lvl7pPr marL="2743200" indent="0">
-              <a:buNone/>
-              <a:defRPr sz="1600" b="1"/>
-            </a:lvl7pPr>
-            <a:lvl8pPr marL="3200400" indent="0">
-              <a:buNone/>
-              <a:defRPr sz="1600" b="1"/>
-            </a:lvl8pPr>
-            <a:lvl9pPr marL="3657600" indent="0">
-              <a:buNone/>
-              <a:defRPr sz="1600" b="1"/>
-            </a:lvl9pPr>
-          </a:lstStyle>
-          <a:p>
-            <a:pPr lvl="0"/>
-            <a:r>
-              <a:rPr lang="en-US"/>
-              <a:t>Click to edit Master text styles</a:t>
-            </a:r>
-          </a:p>
-        </p:txBody>
-      </p:sp>
-      <p:sp>
-        <p:nvSpPr>
-          <p:cNvPr id="6" name="Content Placeholder 5"/>
-          <p:cNvSpPr>
-            <a:spLocks noGrp="1"/>
-          </p:cNvSpPr>
-          <p:nvPr>
-            <p:ph sz="quarter" idx="4"/>
-          </p:nvPr>
-        </p:nvSpPr>
-        <p:spPr>
-          <a:xfrm>
-            <a:off x="4645026" y="2174380"/>
-            <a:ext cx="4041775" cy="3951386"/>
-          </a:xfrm>
-        </p:spPr>
-        <p:txBody>
-          <a:bodyPr/>
-          <a:lstStyle>
-            <a:lvl1pPr>
-              <a:defRPr sz="2400"/>
-            </a:lvl1pPr>
-            <a:lvl2pPr>
-              <a:defRPr sz="2000"/>
-            </a:lvl2pPr>
-            <a:lvl3pPr>
-              <a:defRPr sz="1800"/>
-            </a:lvl3pPr>
-            <a:lvl4pPr>
-              <a:defRPr sz="1600"/>
-            </a:lvl4pPr>
-            <a:lvl5pPr>
-              <a:defRPr sz="1600"/>
-            </a:lvl5pPr>
-            <a:lvl6pPr>
-              <a:defRPr sz="1600"/>
-            </a:lvl6pPr>
-            <a:lvl7pPr>
-              <a:defRPr sz="1600"/>
-            </a:lvl7pPr>
-            <a:lvl8pPr>
-              <a:defRPr sz="1600"/>
-            </a:lvl8pPr>
-            <a:lvl9pPr>
-              <a:defRPr sz="1600"/>
-            </a:lvl9pPr>
-          </a:lstStyle>
-          <a:p>
-            <a:pPr lvl="0"/>
-            <a:r>
-              <a:rPr lang="en-US"/>
-              <a:t>Click to edit Master text styles</a:t>
-            </a:r>
-          </a:p>
-          <a:p>
-            <a:pPr lvl="1"/>
-            <a:r>
-              <a:rPr lang="en-US"/>
-              <a:t>Second level</a:t>
-            </a:r>
-          </a:p>
-          <a:p>
-            <a:pPr lvl="2"/>
-            <a:r>
-              <a:rPr lang="en-US"/>
-              <a:t>Third level</a:t>
-            </a:r>
-          </a:p>
-          <a:p>
-            <a:pPr lvl="3"/>
-            <a:r>
-              <a:rPr lang="en-US"/>
-              <a:t>Fourth level</a:t>
-            </a:r>
-          </a:p>
-          <a:p>
-            <a:pPr lvl="4"/>
-            <a:r>
-              <a:rPr lang="en-US"/>
-              <a:t>Fifth level</a:t>
-            </a:r>
-          </a:p>
-        </p:txBody>
-      </p:sp>
-      <p:sp>
-        <p:nvSpPr>
-          <p:cNvPr id="7" name="Footer Placeholder 6"/>
-          <p:cNvSpPr>
-            <a:spLocks noGrp="1"/>
-          </p:cNvSpPr>
-          <p:nvPr>
-            <p:ph type="ftr" sz="quarter" idx="10"/>
-          </p:nvPr>
-        </p:nvSpPr>
-        <p:spPr/>
-        <p:txBody>
-          <a:bodyPr/>
-          <a:lstStyle>
-            <a:lvl1pPr>
-              <a:defRPr/>
-            </a:lvl1pPr>
-          </a:lstStyle>
-          <a:p>
-            <a:r>
-              <a:rPr lang="en-US"/>
-              <a:t>JPL/Caltech PROPRIETARY – Distribution limited to authorized recipients. Disclosure to others without express
-authorization is prohibited. The technical data in this document is controlled under the U.S. Export Regulations;
-release to foreign persons may require an export authorization.</a:t>
-            </a:r>
-          </a:p>
-        </p:txBody>
-      </p:sp>
-      <p:sp>
-        <p:nvSpPr>
-          <p:cNvPr id="8" name="Slide Number Placeholder 7"/>
-          <p:cNvSpPr>
-            <a:spLocks noGrp="1"/>
-          </p:cNvSpPr>
-          <p:nvPr>
-            <p:ph type="sldNum" sz="quarter" idx="11"/>
-          </p:nvPr>
-        </p:nvSpPr>
-        <p:spPr/>
-        <p:txBody>
-          <a:bodyPr/>
-          <a:lstStyle>
-            <a:lvl1pPr>
-              <a:defRPr/>
-            </a:lvl1pPr>
-          </a:lstStyle>
-          <a:p>
-            <a:fld id="{40846F03-29C8-41F1-8A60-CC8C672EC5BA}" type="slidenum">
-              <a:rPr lang="en-US" smtClean="0"/>
-              <a:t>‹#›</a:t>
-            </a:fld>
-            <a:endParaRPr lang="en-US"/>
-          </a:p>
-        </p:txBody>
-      </p:sp>
-    </p:spTree>
-  </p:cSld>
-  <p:clrMapOvr>
-    <a:masterClrMapping/>
-  </p:clrMapOvr>
-</p:sldLayout>
-</file>
-
-<file path=ppt/slideLayouts/slideLayout6.xml><?xml version="1.0" encoding="utf-8"?>
 <p:sldLayout xmlns:a="http://schemas.openxmlformats.org/drawingml/2006/main" xmlns:r="http://schemas.openxmlformats.org/officeDocument/2006/relationships" xmlns:p="http://schemas.openxmlformats.org/presentationml/2006/main" type="titleOnly" preserve="1">
   <p:cSld name="Title Only">
     <p:spTree>
@@ -2956,34 +1230,6 @@
       </p:sp>
       <p:sp>
         <p:nvSpPr>
-          <p:cNvPr id="3" name="Footer Placeholder 2"/>
-          <p:cNvSpPr>
-            <a:spLocks noGrp="1"/>
-          </p:cNvSpPr>
-          <p:nvPr>
-            <p:ph type="ftr" sz="quarter" idx="10"/>
-          </p:nvPr>
-        </p:nvSpPr>
-        <p:spPr/>
-        <p:txBody>
-          <a:bodyPr/>
-          <a:lstStyle>
-            <a:lvl1pPr>
-              <a:defRPr/>
-            </a:lvl1pPr>
-          </a:lstStyle>
-          <a:p>
-            <a:r>
-              <a:rPr lang="en-US"/>
-              <a:t>JPL/Caltech PROPRIETARY – Distribution limited to authorized recipients. Disclosure to others without express
-authorization is prohibited. The technical data in this document is controlled under the U.S. Export Regulations;
-release to foreign persons may require an export authorization.</a:t>
-            </a:r>
-          </a:p>
-        </p:txBody>
-      </p:sp>
-      <p:sp>
-        <p:nvSpPr>
           <p:cNvPr id="4" name="Slide Number Placeholder 3"/>
           <p:cNvSpPr>
             <a:spLocks noGrp="1"/>
@@ -3017,7 +1263,7 @@
 </p:sldLayout>
 </file>
 
-<file path=ppt/slideLayouts/slideLayout7.xml><?xml version="1.0" encoding="utf-8"?>
+<file path=ppt/slideLayouts/slideLayout4.xml><?xml version="1.0" encoding="utf-8"?>
 <p:sldLayout xmlns:a="http://schemas.openxmlformats.org/drawingml/2006/main" xmlns:r="http://schemas.openxmlformats.org/officeDocument/2006/relationships" xmlns:p="http://schemas.openxmlformats.org/presentationml/2006/main" type="blank" preserve="1">
   <p:cSld name="Blank">
     <p:spTree>
@@ -3036,535 +1282,7 @@
       </p:grpSpPr>
       <p:sp>
         <p:nvSpPr>
-          <p:cNvPr id="2" name="Footer Placeholder 1"/>
-          <p:cNvSpPr>
-            <a:spLocks noGrp="1"/>
-          </p:cNvSpPr>
-          <p:nvPr>
-            <p:ph type="ftr" sz="quarter" idx="10"/>
-          </p:nvPr>
-        </p:nvSpPr>
-        <p:spPr/>
-        <p:txBody>
-          <a:bodyPr/>
-          <a:lstStyle>
-            <a:lvl1pPr>
-              <a:defRPr/>
-            </a:lvl1pPr>
-          </a:lstStyle>
-          <a:p>
-            <a:r>
-              <a:rPr lang="en-US"/>
-              <a:t>JPL/Caltech PROPRIETARY – Distribution limited to authorized recipients. Disclosure to others without express
-authorization is prohibited. The technical data in this document is controlled under the U.S. Export Regulations;
-release to foreign persons may require an export authorization.</a:t>
-            </a:r>
-          </a:p>
-        </p:txBody>
-      </p:sp>
-      <p:sp>
-        <p:nvSpPr>
           <p:cNvPr id="3" name="Slide Number Placeholder 2"/>
-          <p:cNvSpPr>
-            <a:spLocks noGrp="1"/>
-          </p:cNvSpPr>
-          <p:nvPr>
-            <p:ph type="sldNum" sz="quarter" idx="11"/>
-          </p:nvPr>
-        </p:nvSpPr>
-        <p:spPr/>
-        <p:txBody>
-          <a:bodyPr/>
-          <a:lstStyle>
-            <a:lvl1pPr>
-              <a:defRPr/>
-            </a:lvl1pPr>
-          </a:lstStyle>
-          <a:p>
-            <a:fld id="{40846F03-29C8-41F1-8A60-CC8C672EC5BA}" type="slidenum">
-              <a:rPr lang="en-US" smtClean="0"/>
-              <a:t>‹#›</a:t>
-            </a:fld>
-            <a:endParaRPr lang="en-US"/>
-          </a:p>
-        </p:txBody>
-      </p:sp>
-    </p:spTree>
-  </p:cSld>
-  <p:clrMapOvr>
-    <a:masterClrMapping/>
-  </p:clrMapOvr>
-</p:sldLayout>
-</file>
-
-<file path=ppt/slideLayouts/slideLayout8.xml><?xml version="1.0" encoding="utf-8"?>
-<p:sldLayout xmlns:a="http://schemas.openxmlformats.org/drawingml/2006/main" xmlns:r="http://schemas.openxmlformats.org/officeDocument/2006/relationships" xmlns:p="http://schemas.openxmlformats.org/presentationml/2006/main" type="objTx" preserve="1">
-  <p:cSld name="Content with Caption">
-    <p:spTree>
-      <p:nvGrpSpPr>
-        <p:cNvPr id="1" name=""/>
-        <p:cNvGrpSpPr/>
-        <p:nvPr/>
-      </p:nvGrpSpPr>
-      <p:grpSpPr>
-        <a:xfrm>
-          <a:off x="0" y="0"/>
-          <a:ext cx="0" cy="0"/>
-          <a:chOff x="0" y="0"/>
-          <a:chExt cx="0" cy="0"/>
-        </a:xfrm>
-      </p:grpSpPr>
-      <p:sp>
-        <p:nvSpPr>
-          <p:cNvPr id="2" name="Title 1"/>
-          <p:cNvSpPr>
-            <a:spLocks noGrp="1"/>
-          </p:cNvSpPr>
-          <p:nvPr>
-            <p:ph type="title"/>
-          </p:nvPr>
-        </p:nvSpPr>
-        <p:spPr>
-          <a:xfrm>
-            <a:off x="457201" y="272357"/>
-            <a:ext cx="3008313" cy="1162347"/>
-          </a:xfrm>
-        </p:spPr>
-        <p:txBody>
-          <a:bodyPr anchor="b"/>
-          <a:lstStyle>
-            <a:lvl1pPr algn="l">
-              <a:defRPr sz="2000" b="1"/>
-            </a:lvl1pPr>
-          </a:lstStyle>
-          <a:p>
-            <a:r>
-              <a:rPr lang="en-US"/>
-              <a:t>Click to edit Master title style</a:t>
-            </a:r>
-          </a:p>
-        </p:txBody>
-      </p:sp>
-      <p:sp>
-        <p:nvSpPr>
-          <p:cNvPr id="3" name="Content Placeholder 2"/>
-          <p:cNvSpPr>
-            <a:spLocks noGrp="1"/>
-          </p:cNvSpPr>
-          <p:nvPr>
-            <p:ph idx="1"/>
-          </p:nvPr>
-        </p:nvSpPr>
-        <p:spPr>
-          <a:xfrm>
-            <a:off x="3575050" y="272356"/>
-            <a:ext cx="5111750" cy="5853410"/>
-          </a:xfrm>
-        </p:spPr>
-        <p:txBody>
-          <a:bodyPr/>
-          <a:lstStyle>
-            <a:lvl1pPr>
-              <a:defRPr sz="3200"/>
-            </a:lvl1pPr>
-            <a:lvl2pPr>
-              <a:defRPr sz="2800"/>
-            </a:lvl2pPr>
-            <a:lvl3pPr>
-              <a:defRPr sz="2400"/>
-            </a:lvl3pPr>
-            <a:lvl4pPr>
-              <a:defRPr sz="2000"/>
-            </a:lvl4pPr>
-            <a:lvl5pPr>
-              <a:defRPr sz="2000"/>
-            </a:lvl5pPr>
-            <a:lvl6pPr>
-              <a:defRPr sz="2000"/>
-            </a:lvl6pPr>
-            <a:lvl7pPr>
-              <a:defRPr sz="2000"/>
-            </a:lvl7pPr>
-            <a:lvl8pPr>
-              <a:defRPr sz="2000"/>
-            </a:lvl8pPr>
-            <a:lvl9pPr>
-              <a:defRPr sz="2000"/>
-            </a:lvl9pPr>
-          </a:lstStyle>
-          <a:p>
-            <a:pPr lvl="0"/>
-            <a:r>
-              <a:rPr lang="en-US"/>
-              <a:t>Click to edit Master text styles</a:t>
-            </a:r>
-          </a:p>
-          <a:p>
-            <a:pPr lvl="1"/>
-            <a:r>
-              <a:rPr lang="en-US"/>
-              <a:t>Second level</a:t>
-            </a:r>
-          </a:p>
-          <a:p>
-            <a:pPr lvl="2"/>
-            <a:r>
-              <a:rPr lang="en-US"/>
-              <a:t>Third level</a:t>
-            </a:r>
-          </a:p>
-          <a:p>
-            <a:pPr lvl="3"/>
-            <a:r>
-              <a:rPr lang="en-US"/>
-              <a:t>Fourth level</a:t>
-            </a:r>
-          </a:p>
-          <a:p>
-            <a:pPr lvl="4"/>
-            <a:r>
-              <a:rPr lang="en-US"/>
-              <a:t>Fifth level</a:t>
-            </a:r>
-          </a:p>
-        </p:txBody>
-      </p:sp>
-      <p:sp>
-        <p:nvSpPr>
-          <p:cNvPr id="4" name="Text Placeholder 3"/>
-          <p:cNvSpPr>
-            <a:spLocks noGrp="1"/>
-          </p:cNvSpPr>
-          <p:nvPr>
-            <p:ph type="body" sz="half" idx="2"/>
-          </p:nvPr>
-        </p:nvSpPr>
-        <p:spPr>
-          <a:xfrm>
-            <a:off x="457201" y="1434703"/>
-            <a:ext cx="3008313" cy="4691063"/>
-          </a:xfrm>
-        </p:spPr>
-        <p:txBody>
-          <a:bodyPr/>
-          <a:lstStyle>
-            <a:lvl1pPr marL="0" indent="0">
-              <a:buNone/>
-              <a:defRPr sz="1400"/>
-            </a:lvl1pPr>
-            <a:lvl2pPr marL="457200" indent="0">
-              <a:buNone/>
-              <a:defRPr sz="1200"/>
-            </a:lvl2pPr>
-            <a:lvl3pPr marL="914400" indent="0">
-              <a:buNone/>
-              <a:defRPr sz="1000"/>
-            </a:lvl3pPr>
-            <a:lvl4pPr marL="1371600" indent="0">
-              <a:buNone/>
-              <a:defRPr sz="900"/>
-            </a:lvl4pPr>
-            <a:lvl5pPr marL="1828800" indent="0">
-              <a:buNone/>
-              <a:defRPr sz="900"/>
-            </a:lvl5pPr>
-            <a:lvl6pPr marL="2286000" indent="0">
-              <a:buNone/>
-              <a:defRPr sz="900"/>
-            </a:lvl6pPr>
-            <a:lvl7pPr marL="2743200" indent="0">
-              <a:buNone/>
-              <a:defRPr sz="900"/>
-            </a:lvl7pPr>
-            <a:lvl8pPr marL="3200400" indent="0">
-              <a:buNone/>
-              <a:defRPr sz="900"/>
-            </a:lvl8pPr>
-            <a:lvl9pPr marL="3657600" indent="0">
-              <a:buNone/>
-              <a:defRPr sz="900"/>
-            </a:lvl9pPr>
-          </a:lstStyle>
-          <a:p>
-            <a:pPr lvl="0"/>
-            <a:r>
-              <a:rPr lang="en-US"/>
-              <a:t>Click to edit Master text styles</a:t>
-            </a:r>
-          </a:p>
-        </p:txBody>
-      </p:sp>
-      <p:sp>
-        <p:nvSpPr>
-          <p:cNvPr id="5" name="Footer Placeholder 4"/>
-          <p:cNvSpPr>
-            <a:spLocks noGrp="1"/>
-          </p:cNvSpPr>
-          <p:nvPr>
-            <p:ph type="ftr" sz="quarter" idx="10"/>
-          </p:nvPr>
-        </p:nvSpPr>
-        <p:spPr/>
-        <p:txBody>
-          <a:bodyPr/>
-          <a:lstStyle>
-            <a:lvl1pPr>
-              <a:defRPr/>
-            </a:lvl1pPr>
-          </a:lstStyle>
-          <a:p>
-            <a:r>
-              <a:rPr lang="en-US"/>
-              <a:t>JPL/Caltech PROPRIETARY – Distribution limited to authorized recipients. Disclosure to others without express
-authorization is prohibited. The technical data in this document is controlled under the U.S. Export Regulations;
-release to foreign persons may require an export authorization.</a:t>
-            </a:r>
-          </a:p>
-        </p:txBody>
-      </p:sp>
-      <p:sp>
-        <p:nvSpPr>
-          <p:cNvPr id="6" name="Slide Number Placeholder 5"/>
-          <p:cNvSpPr>
-            <a:spLocks noGrp="1"/>
-          </p:cNvSpPr>
-          <p:nvPr>
-            <p:ph type="sldNum" sz="quarter" idx="11"/>
-          </p:nvPr>
-        </p:nvSpPr>
-        <p:spPr/>
-        <p:txBody>
-          <a:bodyPr/>
-          <a:lstStyle>
-            <a:lvl1pPr>
-              <a:defRPr/>
-            </a:lvl1pPr>
-          </a:lstStyle>
-          <a:p>
-            <a:fld id="{40846F03-29C8-41F1-8A60-CC8C672EC5BA}" type="slidenum">
-              <a:rPr lang="en-US" smtClean="0"/>
-              <a:t>‹#›</a:t>
-            </a:fld>
-            <a:endParaRPr lang="en-US"/>
-          </a:p>
-        </p:txBody>
-      </p:sp>
-    </p:spTree>
-  </p:cSld>
-  <p:clrMapOvr>
-    <a:masterClrMapping/>
-  </p:clrMapOvr>
-</p:sldLayout>
-</file>
-
-<file path=ppt/slideLayouts/slideLayout9.xml><?xml version="1.0" encoding="utf-8"?>
-<p:sldLayout xmlns:a="http://schemas.openxmlformats.org/drawingml/2006/main" xmlns:r="http://schemas.openxmlformats.org/officeDocument/2006/relationships" xmlns:p="http://schemas.openxmlformats.org/presentationml/2006/main" type="picTx" preserve="1">
-  <p:cSld name="Picture with Caption">
-    <p:spTree>
-      <p:nvGrpSpPr>
-        <p:cNvPr id="1" name=""/>
-        <p:cNvGrpSpPr/>
-        <p:nvPr/>
-      </p:nvGrpSpPr>
-      <p:grpSpPr>
-        <a:xfrm>
-          <a:off x="0" y="0"/>
-          <a:ext cx="0" cy="0"/>
-          <a:chOff x="0" y="0"/>
-          <a:chExt cx="0" cy="0"/>
-        </a:xfrm>
-      </p:grpSpPr>
-      <p:sp>
-        <p:nvSpPr>
-          <p:cNvPr id="2" name="Title 1"/>
-          <p:cNvSpPr>
-            <a:spLocks noGrp="1"/>
-          </p:cNvSpPr>
-          <p:nvPr>
-            <p:ph type="title"/>
-          </p:nvPr>
-        </p:nvSpPr>
-        <p:spPr>
-          <a:xfrm>
-            <a:off x="1792288" y="4801195"/>
-            <a:ext cx="5486400" cy="565547"/>
-          </a:xfrm>
-        </p:spPr>
-        <p:txBody>
-          <a:bodyPr anchor="b"/>
-          <a:lstStyle>
-            <a:lvl1pPr algn="l">
-              <a:defRPr sz="2000" b="1"/>
-            </a:lvl1pPr>
-          </a:lstStyle>
-          <a:p>
-            <a:r>
-              <a:rPr lang="en-US"/>
-              <a:t>Click to edit Master title style</a:t>
-            </a:r>
-          </a:p>
-        </p:txBody>
-      </p:sp>
-      <p:sp>
-        <p:nvSpPr>
-          <p:cNvPr id="3" name="Picture Placeholder 2"/>
-          <p:cNvSpPr>
-            <a:spLocks noGrp="1"/>
-          </p:cNvSpPr>
-          <p:nvPr>
-            <p:ph type="pic" idx="1"/>
-          </p:nvPr>
-        </p:nvSpPr>
-        <p:spPr>
-          <a:xfrm>
-            <a:off x="1792288" y="613172"/>
-            <a:ext cx="5486400" cy="4115098"/>
-          </a:xfrm>
-        </p:spPr>
-        <p:txBody>
-          <a:bodyPr/>
-          <a:lstStyle>
-            <a:lvl1pPr marL="0" indent="0">
-              <a:buNone/>
-              <a:defRPr sz="3200"/>
-            </a:lvl1pPr>
-            <a:lvl2pPr marL="457200" indent="0">
-              <a:buNone/>
-              <a:defRPr sz="2800"/>
-            </a:lvl2pPr>
-            <a:lvl3pPr marL="914400" indent="0">
-              <a:buNone/>
-              <a:defRPr sz="2400"/>
-            </a:lvl3pPr>
-            <a:lvl4pPr marL="1371600" indent="0">
-              <a:buNone/>
-              <a:defRPr sz="2000"/>
-            </a:lvl4pPr>
-            <a:lvl5pPr marL="1828800" indent="0">
-              <a:buNone/>
-              <a:defRPr sz="2000"/>
-            </a:lvl5pPr>
-            <a:lvl6pPr marL="2286000" indent="0">
-              <a:buNone/>
-              <a:defRPr sz="2000"/>
-            </a:lvl6pPr>
-            <a:lvl7pPr marL="2743200" indent="0">
-              <a:buNone/>
-              <a:defRPr sz="2000"/>
-            </a:lvl7pPr>
-            <a:lvl8pPr marL="3200400" indent="0">
-              <a:buNone/>
-              <a:defRPr sz="2000"/>
-            </a:lvl8pPr>
-            <a:lvl9pPr marL="3657600" indent="0">
-              <a:buNone/>
-              <a:defRPr sz="2000"/>
-            </a:lvl9pPr>
-          </a:lstStyle>
-          <a:p>
-            <a:r>
-              <a:rPr lang="en-US"/>
-              <a:t>Click icon to add picture</a:t>
-            </a:r>
-          </a:p>
-        </p:txBody>
-      </p:sp>
-      <p:sp>
-        <p:nvSpPr>
-          <p:cNvPr id="4" name="Text Placeholder 3"/>
-          <p:cNvSpPr>
-            <a:spLocks noGrp="1"/>
-          </p:cNvSpPr>
-          <p:nvPr>
-            <p:ph type="body" sz="half" idx="2"/>
-          </p:nvPr>
-        </p:nvSpPr>
-        <p:spPr>
-          <a:xfrm>
-            <a:off x="1792288" y="5366742"/>
-            <a:ext cx="5486400" cy="805161"/>
-          </a:xfrm>
-        </p:spPr>
-        <p:txBody>
-          <a:bodyPr/>
-          <a:lstStyle>
-            <a:lvl1pPr marL="0" indent="0">
-              <a:buNone/>
-              <a:defRPr sz="1400"/>
-            </a:lvl1pPr>
-            <a:lvl2pPr marL="457200" indent="0">
-              <a:buNone/>
-              <a:defRPr sz="1200"/>
-            </a:lvl2pPr>
-            <a:lvl3pPr marL="914400" indent="0">
-              <a:buNone/>
-              <a:defRPr sz="1000"/>
-            </a:lvl3pPr>
-            <a:lvl4pPr marL="1371600" indent="0">
-              <a:buNone/>
-              <a:defRPr sz="900"/>
-            </a:lvl4pPr>
-            <a:lvl5pPr marL="1828800" indent="0">
-              <a:buNone/>
-              <a:defRPr sz="900"/>
-            </a:lvl5pPr>
-            <a:lvl6pPr marL="2286000" indent="0">
-              <a:buNone/>
-              <a:defRPr sz="900"/>
-            </a:lvl6pPr>
-            <a:lvl7pPr marL="2743200" indent="0">
-              <a:buNone/>
-              <a:defRPr sz="900"/>
-            </a:lvl7pPr>
-            <a:lvl8pPr marL="3200400" indent="0">
-              <a:buNone/>
-              <a:defRPr sz="900"/>
-            </a:lvl8pPr>
-            <a:lvl9pPr marL="3657600" indent="0">
-              <a:buNone/>
-              <a:defRPr sz="900"/>
-            </a:lvl9pPr>
-          </a:lstStyle>
-          <a:p>
-            <a:pPr lvl="0"/>
-            <a:r>
-              <a:rPr lang="en-US"/>
-              <a:t>Click to edit Master text styles</a:t>
-            </a:r>
-          </a:p>
-        </p:txBody>
-      </p:sp>
-      <p:sp>
-        <p:nvSpPr>
-          <p:cNvPr id="5" name="Footer Placeholder 4"/>
-          <p:cNvSpPr>
-            <a:spLocks noGrp="1"/>
-          </p:cNvSpPr>
-          <p:nvPr>
-            <p:ph type="ftr" sz="quarter" idx="10"/>
-          </p:nvPr>
-        </p:nvSpPr>
-        <p:spPr/>
-        <p:txBody>
-          <a:bodyPr/>
-          <a:lstStyle>
-            <a:lvl1pPr>
-              <a:defRPr/>
-            </a:lvl1pPr>
-          </a:lstStyle>
-          <a:p>
-            <a:r>
-              <a:rPr lang="en-US"/>
-              <a:t>JPL/Caltech PROPRIETARY – Distribution limited to authorized recipients. Disclosure to others without express
-authorization is prohibited. The technical data in this document is controlled under the U.S. Export Regulations;
-release to foreign persons may require an export authorization.</a:t>
-            </a:r>
-          </a:p>
-        </p:txBody>
-      </p:sp>
-      <p:sp>
-        <p:nvSpPr>
-          <p:cNvPr id="6" name="Slide Number Placeholder 5"/>
           <p:cNvSpPr>
             <a:spLocks noGrp="1"/>
           </p:cNvSpPr>
@@ -4172,7 +1890,7 @@
           <p:nvPr/>
         </p:nvPicPr>
         <p:blipFill>
-          <a:blip r:embed="rId15" cstate="print">
+          <a:blip r:embed="rId6" cstate="print">
             <a:clrChange>
               <a:clrFrom>
                 <a:srgbClr val="FFFFFF"/>
@@ -4191,34 +1909,8 @@
         </p:blipFill>
         <p:spPr bwMode="auto">
           <a:xfrm>
-            <a:off x="228600" y="391419"/>
+            <a:off x="241300" y="393841"/>
             <a:ext cx="838200" cy="711398"/>
-          </a:xfrm>
-          <a:prstGeom prst="rect">
-            <a:avLst/>
-          </a:prstGeom>
-          <a:noFill/>
-        </p:spPr>
-      </p:pic>
-      <p:pic>
-        <p:nvPicPr>
-          <p:cNvPr id="1054" name="Picture 30" descr="JPLLogo"/>
-          <p:cNvPicPr>
-            <a:picLocks noChangeAspect="1" noChangeArrowheads="1"/>
-          </p:cNvPicPr>
-          <p:nvPr/>
-        </p:nvPicPr>
-        <p:blipFill>
-          <a:blip r:embed="rId16" cstate="print"/>
-          <a:srcRect/>
-          <a:stretch>
-            <a:fillRect/>
-          </a:stretch>
-        </p:blipFill>
-        <p:spPr bwMode="auto">
-          <a:xfrm>
-            <a:off x="8077200" y="381000"/>
-            <a:ext cx="914400" cy="266403"/>
           </a:xfrm>
           <a:prstGeom prst="rect">
             <a:avLst/>
@@ -4232,17 +1924,8 @@
   <p:sldLayoutIdLst>
     <p:sldLayoutId id="2147483661" r:id="rId1"/>
     <p:sldLayoutId id="2147483662" r:id="rId2"/>
-    <p:sldLayoutId id="2147483663" r:id="rId3"/>
-    <p:sldLayoutId id="2147483664" r:id="rId4"/>
-    <p:sldLayoutId id="2147483665" r:id="rId5"/>
-    <p:sldLayoutId id="2147483666" r:id="rId6"/>
-    <p:sldLayoutId id="2147483667" r:id="rId7"/>
-    <p:sldLayoutId id="2147483668" r:id="rId8"/>
-    <p:sldLayoutId id="2147483669" r:id="rId9"/>
-    <p:sldLayoutId id="2147483670" r:id="rId10"/>
-    <p:sldLayoutId id="2147483671" r:id="rId11"/>
-    <p:sldLayoutId id="2147483672" r:id="rId12"/>
-    <p:sldLayoutId id="2147483673" r:id="rId13"/>
+    <p:sldLayoutId id="2147483666" r:id="rId3"/>
+    <p:sldLayoutId id="2147483667" r:id="rId4"/>
   </p:sldLayoutIdLst>
   <p:hf hdr="0" dt="0"/>
   <p:txStyles>
@@ -4694,7 +2377,7 @@
         <p:spPr>
           <a:xfrm>
             <a:off x="2667000" y="3825875"/>
-            <a:ext cx="5638800" cy="974725"/>
+            <a:ext cx="5638800" cy="1203325"/>
           </a:xfrm>
         </p:spPr>
         <p:txBody>
@@ -4702,9 +2385,24 @@
           <a:lstStyle/>
           <a:p>
             <a:r>
+              <a:rPr lang="en-US" dirty="0" smtClean="0"/>
+              <a:t>Jet </a:t>
+            </a:r>
+            <a:r>
               <a:rPr lang="en-US" dirty="0"/>
-              <a:t>NASA Jet Propulsion Laboratory</a:t>
-            </a:r>
+              <a:t>Propulsion </a:t>
+            </a:r>
+            <a:r>
+              <a:rPr lang="en-US" dirty="0" smtClean="0"/>
+              <a:t>Laboratory,</a:t>
+            </a:r>
+          </a:p>
+          <a:p>
+            <a:r>
+              <a:rPr lang="en-US" dirty="0" smtClean="0"/>
+              <a:t>California Institute of Technology</a:t>
+            </a:r>
+            <a:endParaRPr lang="en-US" dirty="0"/>
           </a:p>
           <a:p>
             <a:r>
@@ -4777,36 +2475,35 @@
           </a:bodyPr>
           <a:lstStyle/>
           <a:p>
-            <a:pPr marL="0" marR="0" lvl="0" indent="0" algn="l" defTabSz="914400" rtl="0" eaLnBrk="0" fontAlgn="base" latinLnBrk="0" hangingPunct="0">
-              <a:lnSpc>
-                <a:spcPct val="100000"/>
-              </a:lnSpc>
+            <a:pPr lvl="0" eaLnBrk="0" fontAlgn="base" hangingPunct="0">
               <a:spcBef>
                 <a:spcPct val="0"/>
               </a:spcBef>
               <a:spcAft>
                 <a:spcPct val="0"/>
               </a:spcAft>
-              <a:buClrTx/>
-              <a:buSzTx/>
-              <a:buFontTx/>
-              <a:buNone/>
-              <a:tabLst/>
             </a:pPr>
             <a:r>
-              <a:rPr kumimoji="0" lang="en-US" altLang="en-US" sz="800" b="0" i="0" u="none" strike="noStrike" cap="none" normalizeH="0" baseline="0" dirty="0">
-                <a:ln>
-                  <a:noFill/>
-                </a:ln>
+              <a:rPr lang="en-US" altLang="en-US" sz="800" dirty="0">
                 <a:solidFill>
                   <a:srgbClr val="1F497D"/>
                 </a:solidFill>
-                <a:effectLst/>
                 <a:latin typeface="Arial" panose="020B0604020202020204" pitchFamily="34" charset="0"/>
                 <a:ea typeface="Calibri" panose="020F0502020204030204" pitchFamily="34" charset="0"/>
               </a:rPr>
-              <a:t>Copyright (C) 2009-2017 California Institute of Technology. ALL RIGHTS RESERVED. </a:t>
-            </a:r>
+              <a:t>© 2009-2017 California Institute of Technology. Government sponsorship acknowledged. </a:t>
+            </a:r>
+            <a:endParaRPr kumimoji="0" lang="en-US" altLang="en-US" sz="800" b="0" i="0" u="none" strike="noStrike" cap="none" normalizeH="0" baseline="0" dirty="0">
+              <a:ln>
+                <a:noFill/>
+              </a:ln>
+              <a:solidFill>
+                <a:srgbClr val="1F497D"/>
+              </a:solidFill>
+              <a:effectLst/>
+              <a:latin typeface="Arial" panose="020B0604020202020204" pitchFamily="34" charset="0"/>
+              <a:ea typeface="Calibri" panose="020F0502020204030204" pitchFamily="34" charset="0"/>
+            </a:endParaRPr>
           </a:p>
           <a:p>
             <a:pPr marL="0" marR="0" lvl="0" indent="0" algn="l" defTabSz="914400" rtl="0" eaLnBrk="0" fontAlgn="base" latinLnBrk="0" hangingPunct="0">
